--- a/Codificacion/Semana2/LAB1 - Decisión.pptx
+++ b/Codificacion/Semana2/LAB1 - Decisión.pptx
@@ -194,7 +194,7 @@
           <a:p>
             <a:fld id="{1D8BD707-D9CF-40AE-B4C6-C98DA3205C09}" type="datetimeFigureOut">
               <a:rPr lang="en-US"/>
-              <a:t>4/16/2024</a:t>
+              <a:t>4/17/2024</a:t>
             </a:fld>
             <a:endParaRPr lang="en-US"/>
           </a:p>
@@ -369,7 +369,7 @@
           <a:p>
             <a:fld id="{1D8BD707-D9CF-40AE-B4C6-C98DA3205C09}" type="datetimeFigureOut">
               <a:rPr lang="en-US"/>
-              <a:t>4/16/2024</a:t>
+              <a:t>4/17/2024</a:t>
             </a:fld>
             <a:endParaRPr lang="en-US"/>
           </a:p>
@@ -583,7 +583,7 @@
           <a:p>
             <a:fld id="{1D8BD707-D9CF-40AE-B4C6-C98DA3205C09}" type="datetimeFigureOut">
               <a:rPr lang="en-US"/>
-              <a:t>4/16/2024</a:t>
+              <a:t>4/17/2024</a:t>
             </a:fld>
             <a:endParaRPr lang="en-US"/>
           </a:p>
@@ -731,7 +731,7 @@
           <a:p>
             <a:fld id="{1D8BD707-D9CF-40AE-B4C6-C98DA3205C09}" type="datetimeFigureOut">
               <a:rPr lang="en-US"/>
-              <a:t>4/16/2024</a:t>
+              <a:t>4/17/2024</a:t>
             </a:fld>
             <a:endParaRPr lang="en-US"/>
           </a:p>
@@ -850,7 +850,7 @@
           <a:p>
             <a:fld id="{1D8BD707-D9CF-40AE-B4C6-C98DA3205C09}" type="datetimeFigureOut">
               <a:rPr lang="en-US"/>
-              <a:t>4/16/2024</a:t>
+              <a:t>4/17/2024</a:t>
             </a:fld>
             <a:endParaRPr lang="en-US"/>
           </a:p>
@@ -1073,7 +1073,7 @@
           <a:p>
             <a:fld id="{1D8BD707-D9CF-40AE-B4C6-C98DA3205C09}" type="datetimeFigureOut">
               <a:rPr lang="en-US"/>
-              <a:t>4/16/2024</a:t>
+              <a:t>4/17/2024</a:t>
             </a:fld>
             <a:endParaRPr lang="en-US"/>
           </a:p>
@@ -1344,8 +1344,8 @@
         </p:nvSpPr>
         <p:spPr>
           <a:xfrm>
-            <a:off x="2800468" y="2876550"/>
-            <a:ext cx="3539490" cy="452120"/>
+            <a:off x="1600200" y="2876550"/>
+            <a:ext cx="6019800" cy="443711"/>
           </a:xfrm>
           <a:prstGeom prst="rect">
             <a:avLst/>
@@ -1406,7 +1406,7 @@
               <a:t> </a:t>
             </a:r>
             <a:r>
-              <a:rPr sz="2800" spc="-10" dirty="0">
+              <a:rPr sz="2800" spc="-10" dirty="0" err="1">
                 <a:solidFill>
                   <a:schemeClr val="tx1"/>
                 </a:solidFill>
@@ -1414,6 +1414,16 @@
                 <a:cs typeface="Roboto"/>
               </a:rPr>
               <a:t>decisión</a:t>
+            </a:r>
+            <a:r>
+              <a:rPr lang="es-ES" sz="2800" spc="-10" dirty="0">
+                <a:solidFill>
+                  <a:schemeClr val="tx1"/>
+                </a:solidFill>
+                <a:latin typeface="Roboto"/>
+                <a:cs typeface="Roboto"/>
+              </a:rPr>
+              <a:t> o selectiva</a:t>
             </a:r>
             <a:endParaRPr sz="2800" dirty="0">
               <a:solidFill>
@@ -6594,7 +6604,7 @@
               </a:rPr>
               <a:t>(condición){</a:t>
             </a:r>
-            <a:endParaRPr sz="1400">
+            <a:endParaRPr sz="1400" dirty="0">
               <a:latin typeface="IBM 3270"/>
               <a:cs typeface="IBM 3270"/>
             </a:endParaRPr>
@@ -6725,7 +6735,7 @@
               </a:rPr>
               <a:t>verdadera*/</a:t>
             </a:r>
-            <a:endParaRPr sz="1400">
+            <a:endParaRPr sz="1400" dirty="0">
               <a:latin typeface="Verdana"/>
               <a:cs typeface="Verdana"/>
             </a:endParaRPr>
@@ -6749,7 +6759,7 @@
               </a:rPr>
               <a:t>}</a:t>
             </a:r>
-            <a:endParaRPr sz="1400">
+            <a:endParaRPr sz="1400" dirty="0">
               <a:latin typeface="IBM 3270"/>
               <a:cs typeface="IBM 3270"/>
             </a:endParaRPr>
@@ -6783,7 +6793,7 @@
               </a:rPr>
               <a:t>{</a:t>
             </a:r>
-            <a:endParaRPr sz="1400">
+            <a:endParaRPr sz="1400" dirty="0">
               <a:latin typeface="IBM 3270"/>
               <a:cs typeface="IBM 3270"/>
             </a:endParaRPr>
@@ -6914,7 +6924,7 @@
               </a:rPr>
               <a:t>falsa*/</a:t>
             </a:r>
-            <a:endParaRPr sz="1400">
+            <a:endParaRPr sz="1400" dirty="0">
               <a:latin typeface="Verdana"/>
               <a:cs typeface="Verdana"/>
             </a:endParaRPr>
@@ -6938,7 +6948,7 @@
               </a:rPr>
               <a:t>}</a:t>
             </a:r>
-            <a:endParaRPr sz="1400">
+            <a:endParaRPr sz="1400" dirty="0">
               <a:latin typeface="IBM 3270"/>
               <a:cs typeface="IBM 3270"/>
             </a:endParaRPr>
@@ -7580,7 +7590,7 @@
               </a:rPr>
               <a:t>.</a:t>
             </a:r>
-            <a:endParaRPr sz="2100">
+            <a:endParaRPr sz="2100" dirty="0">
               <a:latin typeface="Trebuchet MS"/>
               <a:cs typeface="Trebuchet MS"/>
             </a:endParaRPr>
